--- a/Екип 2.pptx
+++ b/Екип 2.pptx
@@ -4531,20 +4531,36 @@
         </p:nvSpPr>
         <p:spPr>
           <a:xfrm>
-            <a:off x="1865312" y="836712"/>
-            <a:ext cx="8458200" cy="1705744"/>
+            <a:off x="639806" y="476672"/>
+            <a:ext cx="10909212" cy="2448272"/>
           </a:xfrm>
         </p:spPr>
         <p:txBody>
-          <a:bodyPr rtlCol="0"/>
+          <a:bodyPr rtlCol="0">
+            <a:noAutofit/>
+          </a:bodyPr>
           <a:lstStyle/>
           <a:p>
             <a:pPr algn="ctr" rtl="0"/>
             <a:r>
-              <a:rPr lang="bg" dirty="0"/>
+              <a:rPr lang="bg" sz="4800" dirty="0"/>
               <a:t>Екип  2</a:t>
             </a:r>
-            <a:endParaRPr lang="en-US" dirty="0"/>
+            <a:br>
+              <a:rPr lang="bg" sz="4800" dirty="0"/>
+            </a:br>
+            <a:r>
+              <a:rPr lang="bg" sz="2800" dirty="0"/>
+              <a:t> </a:t>
+            </a:r>
+            <a:br>
+              <a:rPr lang="bg" sz="4800" dirty="0"/>
+            </a:br>
+            <a:r>
+              <a:rPr lang="bg" sz="4000" dirty="0"/>
+              <a:t>Конвертиране на температура в различни мерни единици</a:t>
+            </a:r>
+            <a:endParaRPr lang="en-US" sz="4800" dirty="0"/>
           </a:p>
         </p:txBody>
       </p:sp>
@@ -4560,13 +4576,13 @@
         </p:nvSpPr>
         <p:spPr>
           <a:xfrm>
-            <a:off x="3106080" y="3645024"/>
+            <a:off x="3106080" y="3789040"/>
             <a:ext cx="5976664" cy="1872208"/>
           </a:xfrm>
         </p:spPr>
         <p:txBody>
           <a:bodyPr rtlCol="0">
-            <a:normAutofit lnSpcReduction="10000"/>
+            <a:normAutofit/>
           </a:bodyPr>
           <a:lstStyle/>
           <a:p>
@@ -4577,7 +4593,11 @@
             </a:pPr>
             <a:r>
               <a:rPr lang="bg" dirty="0"/>
-              <a:t>Членове на екипа: </a:t>
+              <a:t>Членове на </a:t>
+            </a:r>
+            <a:r>
+              <a:rPr lang="bg"/>
+              <a:t>екипа:</a:t>
             </a:r>
             <a:endParaRPr lang="en-US" dirty="0"/>
           </a:p>
@@ -4587,7 +4607,11 @@
                 <a:spcPct val="150000"/>
               </a:lnSpc>
             </a:pPr>
-            <a:endParaRPr lang="en-US" sz="2000" dirty="0"/>
+            <a:r>
+              <a:rPr lang="bg-BG" sz="1400" dirty="0"/>
+              <a:t> </a:t>
+            </a:r>
+            <a:endParaRPr lang="en-US" sz="1400" dirty="0"/>
           </a:p>
           <a:p>
             <a:pPr algn="ctr" rtl="0">
@@ -4748,21 +4772,30 @@
                             </p:childTnLst>
                           </p:cTn>
                         </p:par>
+                      </p:childTnLst>
+                    </p:cTn>
+                  </p:par>
+                  <p:par>
+                    <p:cTn id="12" fill="hold">
+                      <p:stCondLst>
+                        <p:cond delay="indefinite"/>
+                      </p:stCondLst>
+                      <p:childTnLst>
                         <p:par>
-                          <p:cTn id="12" fill="hold">
+                          <p:cTn id="13" fill="hold">
                             <p:stCondLst>
-                              <p:cond delay="2000"/>
+                              <p:cond delay="0"/>
                             </p:stCondLst>
                             <p:childTnLst>
                               <p:par>
-                                <p:cTn id="13" presetID="22" presetClass="entr" presetSubtype="1" fill="hold" grpId="0" nodeType="afterEffect">
+                                <p:cTn id="14" presetID="22" presetClass="entr" presetSubtype="1" fill="hold" grpId="0" nodeType="clickEffect">
                                   <p:stCondLst>
                                     <p:cond delay="0"/>
                                   </p:stCondLst>
                                   <p:childTnLst>
                                     <p:set>
                                       <p:cBhvr>
-                                        <p:cTn id="14" dur="1" fill="hold">
+                                        <p:cTn id="15" dur="1" fill="hold">
                                           <p:stCondLst>
                                             <p:cond delay="0"/>
                                           </p:stCondLst>
@@ -4770,7 +4803,7 @@
                                         <p:tgtEl>
                                           <p:spTgt spid="3">
                                             <p:txEl>
-                                              <p:pRg st="2" end="2"/>
+                                              <p:pRg st="1" end="1"/>
                                             </p:txEl>
                                           </p:spTgt>
                                         </p:tgtEl>
@@ -4784,7 +4817,59 @@
                                     </p:set>
                                     <p:animEffect transition="in" filter="wipe(up)">
                                       <p:cBhvr>
-                                        <p:cTn id="15" dur="1000"/>
+                                        <p:cTn id="16" dur="1000"/>
+                                        <p:tgtEl>
+                                          <p:spTgt spid="3">
+                                            <p:txEl>
+                                              <p:pRg st="1" end="1"/>
+                                            </p:txEl>
+                                          </p:spTgt>
+                                        </p:tgtEl>
+                                      </p:cBhvr>
+                                    </p:animEffect>
+                                  </p:childTnLst>
+                                </p:cTn>
+                              </p:par>
+                            </p:childTnLst>
+                          </p:cTn>
+                        </p:par>
+                        <p:par>
+                          <p:cTn id="17" fill="hold">
+                            <p:stCondLst>
+                              <p:cond delay="1000"/>
+                            </p:stCondLst>
+                            <p:childTnLst>
+                              <p:par>
+                                <p:cTn id="18" presetID="22" presetClass="entr" presetSubtype="1" fill="hold" grpId="0" nodeType="afterEffect">
+                                  <p:stCondLst>
+                                    <p:cond delay="0"/>
+                                  </p:stCondLst>
+                                  <p:childTnLst>
+                                    <p:set>
+                                      <p:cBhvr>
+                                        <p:cTn id="19" dur="1" fill="hold">
+                                          <p:stCondLst>
+                                            <p:cond delay="0"/>
+                                          </p:stCondLst>
+                                        </p:cTn>
+                                        <p:tgtEl>
+                                          <p:spTgt spid="3">
+                                            <p:txEl>
+                                              <p:pRg st="2" end="2"/>
+                                            </p:txEl>
+                                          </p:spTgt>
+                                        </p:tgtEl>
+                                        <p:attrNameLst>
+                                          <p:attrName>style.visibility</p:attrName>
+                                        </p:attrNameLst>
+                                      </p:cBhvr>
+                                      <p:to>
+                                        <p:strVal val="visible"/>
+                                      </p:to>
+                                    </p:set>
+                                    <p:animEffect transition="in" filter="wipe(up)">
+                                      <p:cBhvr>
+                                        <p:cTn id="20" dur="1000"/>
                                         <p:tgtEl>
                                           <p:spTgt spid="3">
                                             <p:txEl>
@@ -4798,14 +4883,14 @@
                                 </p:cTn>
                               </p:par>
                               <p:par>
-                                <p:cTn id="16" presetID="22" presetClass="entr" presetSubtype="1" fill="hold" grpId="0" nodeType="withEffect">
+                                <p:cTn id="21" presetID="22" presetClass="entr" presetSubtype="1" fill="hold" grpId="0" nodeType="withEffect">
                                   <p:stCondLst>
                                     <p:cond delay="0"/>
                                   </p:stCondLst>
                                   <p:childTnLst>
                                     <p:set>
                                       <p:cBhvr>
-                                        <p:cTn id="17" dur="1" fill="hold">
+                                        <p:cTn id="22" dur="1" fill="hold">
                                           <p:stCondLst>
                                             <p:cond delay="0"/>
                                           </p:stCondLst>
@@ -4827,7 +4912,7 @@
                                     </p:set>
                                     <p:animEffect transition="in" filter="wipe(up)">
                                       <p:cBhvr>
-                                        <p:cTn id="18" dur="1000"/>
+                                        <p:cTn id="23" dur="1000"/>
                                         <p:tgtEl>
                                           <p:spTgt spid="3">
                                             <p:txEl>
@@ -12790,6 +12875,15 @@
 </file>
 
 <file path=customXml/item2.xml><?xml version="1.0" encoding="utf-8"?>
+<?mso-contentType ?>
+<FormTemplates xmlns="http://schemas.microsoft.com/sharepoint/v3/contenttype/forms">
+  <Display>DocumentLibraryForm</Display>
+  <Edit>DocumentLibraryForm</Edit>
+  <New>DocumentLibraryForm</New>
+</FormTemplates>
+</file>
+
+<file path=customXml/item3.xml><?xml version="1.0" encoding="utf-8"?>
 <ct:contentTypeSchema xmlns:ct="http://schemas.microsoft.com/office/2006/metadata/contentType" xmlns:ma="http://schemas.microsoft.com/office/2006/metadata/properties/metaAttributes" ct:_="" ma:_="" ma:contentTypeName="Document" ma:contentTypeID="0x010100AA3F7D94069FF64A86F7DFF56D60E3BE" ma:contentTypeVersion="6" ma:contentTypeDescription="Create a new document." ma:contentTypeScope="" ma:versionID="c32302c77d4085ecf495bdddb7f5e889">
   <xsd:schema xmlns:xsd="http://www.w3.org/2001/XMLSchema" xmlns:xs="http://www.w3.org/2001/XMLSchema" xmlns:p="http://schemas.microsoft.com/office/2006/metadata/properties" xmlns:ns2="a4f35948-e619-41b3-aa29-22878b09cfd2" xmlns:ns3="40262f94-9f35-4ac3-9a90-690165a166b7" targetNamespace="http://schemas.microsoft.com/office/2006/metadata/properties" ma:root="true" ma:fieldsID="4ab5ae46be95f9d0be6107e8200be7a2" ns2:_="" ns3:_="">
     <xsd:import namespace="a4f35948-e619-41b3-aa29-22878b09cfd2"/>
@@ -12970,15 +13064,6 @@
 </ct:contentTypeSchema>
 </file>
 
-<file path=customXml/item3.xml><?xml version="1.0" encoding="utf-8"?>
-<?mso-contentType ?>
-<FormTemplates xmlns="http://schemas.microsoft.com/sharepoint/v3/contenttype/forms">
-  <Display>DocumentLibraryForm</Display>
-  <Edit>DocumentLibraryForm</Edit>
-  <New>DocumentLibraryForm</New>
-</FormTemplates>
-</file>
-
 <file path=customXml/itemProps1.xml><?xml version="1.0" encoding="utf-8"?>
 <ds:datastoreItem xmlns:ds="http://schemas.openxmlformats.org/officeDocument/2006/customXml" ds:itemID="{02427FAC-CD3A-494C-985C-09E26C5EA507}">
   <ds:schemaRefs>
@@ -12997,6 +13082,14 @@
 </file>
 
 <file path=customXml/itemProps2.xml><?xml version="1.0" encoding="utf-8"?>
+<ds:datastoreItem xmlns:ds="http://schemas.openxmlformats.org/officeDocument/2006/customXml" ds:itemID="{B11D6E40-F509-498A-BF02-00C895783B4A}">
+  <ds:schemaRefs>
+    <ds:schemaRef ds:uri="http://schemas.microsoft.com/sharepoint/v3/contenttype/forms"/>
+  </ds:schemaRefs>
+</ds:datastoreItem>
+</file>
+
+<file path=customXml/itemProps3.xml><?xml version="1.0" encoding="utf-8"?>
 <ds:datastoreItem xmlns:ds="http://schemas.openxmlformats.org/officeDocument/2006/customXml" ds:itemID="{E5ED73A5-C2D2-4D49-BB89-167E8E32C957}">
   <ds:schemaRefs>
     <ds:schemaRef ds:uri="http://schemas.microsoft.com/office/2006/metadata/contentType"/>
@@ -13013,12 +13106,4 @@
     <ds:schemaRef ds:uri="http://schemas.microsoft.com/internal/obd"/>
   </ds:schemaRefs>
 </ds:datastoreItem>
-</file>
-
-<file path=customXml/itemProps3.xml><?xml version="1.0" encoding="utf-8"?>
-<ds:datastoreItem xmlns:ds="http://schemas.openxmlformats.org/officeDocument/2006/customXml" ds:itemID="{B11D6E40-F509-498A-BF02-00C895783B4A}">
-  <ds:schemaRefs>
-    <ds:schemaRef ds:uri="http://schemas.microsoft.com/sharepoint/v3/contenttype/forms"/>
-  </ds:schemaRefs>
-</ds:datastoreItem>
 </file>
--- a/Екип 2.pptx
+++ b/Екип 2.pptx
@@ -26,7 +26,7 @@
   <p:notesSz cx="6858000" cy="9144000"/>
   <p:defaultTextStyle>
     <a:defPPr rtl="0">
-      <a:defRPr lang="bg-bg"/>
+      <a:defRPr lang="bg-BG"/>
     </a:defPPr>
     <a:lvl1pPr marL="0" algn="l" defTabSz="914400" rtl="0" eaLnBrk="1" latinLnBrk="0" hangingPunct="1">
       <a:defRPr sz="1800" kern="1200">
@@ -286,6 +286,7 @@
             <a:pPr rtl="0"/>
             <a:fld id="{27450B33-EA21-49EC-8EA7-8FE9AB93D606}" type="datetime1">
               <a:rPr lang="bg-BG" smtClean="0"/>
+              <a:pPr rtl="0"/>
               <a:t>10.11.2020 г.</a:t>
             </a:fld>
             <a:endParaRPr lang="bg-BG" dirty="0"/>
@@ -354,6 +355,7 @@
             <a:pPr rtl="0"/>
             <a:fld id="{9C567D4A-04CB-4EDF-8FB1-342A02FC8EC5}" type="slidenum">
               <a:rPr lang="bg-BG" smtClean="0"/>
+              <a:pPr rtl="0"/>
               <a:t>‹#›</a:t>
             </a:fld>
             <a:endParaRPr lang="bg-BG" dirty="0"/>
@@ -456,6 +458,7 @@
             <a:pPr rtl="0"/>
             <a:fld id="{309AD60D-7AA7-4C6C-A2B9-230011A36191}" type="datetime1">
               <a:rPr lang="bg-BG" noProof="0" smtClean="0"/>
+              <a:pPr rtl="0"/>
               <a:t>10.11.2020 г.</a:t>
             </a:fld>
             <a:endParaRPr lang="bg-BG" noProof="0" dirty="0"/>
@@ -617,6 +620,7 @@
             <a:pPr rtl="0"/>
             <a:fld id="{2E61351F-DBB1-4664-ADA9-83BC7CB8848D}" type="slidenum">
               <a:rPr lang="bg-BG" noProof="0" smtClean="0"/>
+              <a:pPr rtl="0"/>
               <a:t>‹#›</a:t>
             </a:fld>
             <a:endParaRPr lang="bg-BG" noProof="0" dirty="0"/>
@@ -793,6 +797,7 @@
             <a:pPr rtl="0"/>
             <a:fld id="{2E61351F-DBB1-4664-ADA9-83BC7CB8848D}" type="slidenum">
               <a:rPr lang="bg-BG" smtClean="0"/>
+              <a:pPr rtl="0"/>
               <a:t>1</a:t>
             </a:fld>
             <a:endParaRPr lang="bg-BG" dirty="0"/>
@@ -878,6 +883,7 @@
             <a:pPr rtl="0"/>
             <a:fld id="{2E61351F-DBB1-4664-ADA9-83BC7CB8848D}" type="slidenum">
               <a:rPr lang="bg-BG" smtClean="0"/>
+              <a:pPr rtl="0"/>
               <a:t>2</a:t>
             </a:fld>
             <a:endParaRPr lang="bg-BG" dirty="0"/>
@@ -963,6 +969,7 @@
             <a:pPr rtl="0"/>
             <a:fld id="{2E61351F-DBB1-4664-ADA9-83BC7CB8848D}" type="slidenum">
               <a:rPr lang="bg-BG" smtClean="0"/>
+              <a:pPr rtl="0"/>
               <a:t>3</a:t>
             </a:fld>
             <a:endParaRPr lang="bg-BG"/>
@@ -1048,6 +1055,7 @@
             <a:pPr rtl="0"/>
             <a:fld id="{2E61351F-DBB1-4664-ADA9-83BC7CB8848D}" type="slidenum">
               <a:rPr lang="bg-BG" smtClean="0"/>
+              <a:pPr rtl="0"/>
               <a:t>4</a:t>
             </a:fld>
             <a:endParaRPr lang="bg-BG"/>
@@ -1133,6 +1141,7 @@
             <a:pPr rtl="0"/>
             <a:fld id="{2E61351F-DBB1-4664-ADA9-83BC7CB8848D}" type="slidenum">
               <a:rPr lang="bg-BG" smtClean="0"/>
+              <a:pPr rtl="0"/>
               <a:t>5</a:t>
             </a:fld>
             <a:endParaRPr lang="bg-BG"/>
@@ -1360,6 +1369,7 @@
             <a:pPr rtl="0"/>
             <a:fld id="{3BBECB8F-17A5-48FC-B966-F319026DED73}" type="datetime1">
               <a:rPr lang="bg-BG" noProof="0" smtClean="0"/>
+              <a:pPr rtl="0"/>
               <a:t>10.11.2020 г.</a:t>
             </a:fld>
             <a:endParaRPr lang="bg-BG" noProof="0" dirty="0"/>
@@ -1411,6 +1421,7 @@
             <a:pPr rtl="0"/>
             <a:fld id="{81FEFA0A-2F20-4B60-98C6-5FFDA469AA1C}" type="slidenum">
               <a:rPr lang="bg-BG" noProof="0" smtClean="0"/>
+              <a:pPr rtl="0"/>
               <a:t>‹#›</a:t>
             </a:fld>
             <a:endParaRPr lang="bg-BG" noProof="0" dirty="0"/>
@@ -1586,6 +1597,7 @@
             <a:pPr rtl="0"/>
             <a:fld id="{A1B0C7EC-11B1-4191-90BD-45DFA929E5BB}" type="datetime1">
               <a:rPr lang="bg-BG" noProof="0" smtClean="0"/>
+              <a:pPr rtl="0"/>
               <a:t>10.11.2020 г.</a:t>
             </a:fld>
             <a:endParaRPr lang="bg-BG" noProof="0" dirty="0"/>
@@ -1637,6 +1649,7 @@
             <a:pPr rtl="0"/>
             <a:fld id="{81FEFA0A-2F20-4B60-98C6-5FFDA469AA1C}" type="slidenum">
               <a:rPr lang="bg-BG" noProof="0" smtClean="0"/>
+              <a:pPr rtl="0"/>
               <a:t>‹#›</a:t>
             </a:fld>
             <a:endParaRPr lang="bg-BG" noProof="0" dirty="0"/>
@@ -1819,6 +1832,7 @@
             <a:pPr rtl="0"/>
             <a:fld id="{0E6C682C-DF89-45B8-92A7-802756F43848}" type="datetime1">
               <a:rPr lang="bg-BG" noProof="0" smtClean="0"/>
+              <a:pPr rtl="0"/>
               <a:t>10.11.2020 г.</a:t>
             </a:fld>
             <a:endParaRPr lang="bg-BG" noProof="0" dirty="0"/>
@@ -1870,6 +1884,7 @@
             <a:pPr rtl="0"/>
             <a:fld id="{81FEFA0A-2F20-4B60-98C6-5FFDA469AA1C}" type="slidenum">
               <a:rPr lang="bg-BG" noProof="0" smtClean="0"/>
+              <a:pPr rtl="0"/>
               <a:t>‹#›</a:t>
             </a:fld>
             <a:endParaRPr lang="bg-BG" noProof="0" dirty="0"/>
@@ -2026,6 +2041,7 @@
             <a:pPr rtl="0"/>
             <a:fld id="{47498117-7F79-45DC-87B0-58B4D7E90CC4}" type="datetime1">
               <a:rPr lang="bg-BG" noProof="0" smtClean="0"/>
+              <a:pPr rtl="0"/>
               <a:t>10.11.2020 г.</a:t>
             </a:fld>
             <a:endParaRPr lang="bg-BG" noProof="0" dirty="0"/>
@@ -2077,6 +2093,7 @@
             <a:pPr rtl="0"/>
             <a:fld id="{81FEFA0A-2F20-4B60-98C6-5FFDA469AA1C}" type="slidenum">
               <a:rPr lang="bg-BG" noProof="0" smtClean="0"/>
+              <a:pPr rtl="0"/>
               <a:t>‹#›</a:t>
             </a:fld>
             <a:endParaRPr lang="bg-BG" noProof="0" dirty="0"/>
@@ -2292,6 +2309,7 @@
             <a:pPr rtl="0"/>
             <a:fld id="{6498D360-EEE7-49F7-8E65-F849FE16A7B8}" type="datetime1">
               <a:rPr lang="bg-BG" noProof="0" smtClean="0"/>
+              <a:pPr rtl="0"/>
               <a:t>10.11.2020 г.</a:t>
             </a:fld>
             <a:endParaRPr lang="bg-BG" noProof="0" dirty="0"/>
@@ -2343,6 +2361,7 @@
             <a:pPr rtl="0"/>
             <a:fld id="{81FEFA0A-2F20-4B60-98C6-5FFDA469AA1C}" type="slidenum">
               <a:rPr lang="bg-BG" noProof="0" smtClean="0"/>
+              <a:pPr rtl="0"/>
               <a:t>‹#›</a:t>
             </a:fld>
             <a:endParaRPr lang="bg-BG" noProof="0" dirty="0"/>
@@ -2618,6 +2637,7 @@
             <a:pPr rtl="0"/>
             <a:fld id="{D1E43889-AEE7-492F-9410-B096B1255299}" type="datetime1">
               <a:rPr lang="bg-BG" noProof="0" smtClean="0"/>
+              <a:pPr rtl="0"/>
               <a:t>10.11.2020 г.</a:t>
             </a:fld>
             <a:endParaRPr lang="bg-BG" noProof="0" dirty="0"/>
@@ -2669,6 +2689,7 @@
             <a:pPr rtl="0"/>
             <a:fld id="{81FEFA0A-2F20-4B60-98C6-5FFDA469AA1C}" type="slidenum">
               <a:rPr lang="bg-BG" noProof="0" smtClean="0"/>
+              <a:pPr rtl="0"/>
               <a:t>‹#›</a:t>
             </a:fld>
             <a:endParaRPr lang="bg-BG" noProof="0" dirty="0"/>
@@ -3101,6 +3122,7 @@
             <a:pPr rtl="0"/>
             <a:fld id="{91291E96-189D-4D22-996C-49D5AAA2D064}" type="datetime1">
               <a:rPr lang="bg-BG" noProof="0" smtClean="0"/>
+              <a:pPr rtl="0"/>
               <a:t>10.11.2020 г.</a:t>
             </a:fld>
             <a:endParaRPr lang="bg-BG" noProof="0" dirty="0"/>
@@ -3152,6 +3174,7 @@
             <a:pPr rtl="0"/>
             <a:fld id="{81FEFA0A-2F20-4B60-98C6-5FFDA469AA1C}" type="slidenum">
               <a:rPr lang="bg-BG" noProof="0" smtClean="0"/>
+              <a:pPr rtl="0"/>
               <a:t>‹#›</a:t>
             </a:fld>
             <a:endParaRPr lang="bg-BG" noProof="0" dirty="0"/>
@@ -3237,6 +3260,7 @@
             <a:pPr rtl="0"/>
             <a:fld id="{9B14B2AE-DDF6-43B7-896D-5048A71D1723}" type="datetime1">
               <a:rPr lang="bg-BG" noProof="0" smtClean="0"/>
+              <a:pPr rtl="0"/>
               <a:t>10.11.2020 г.</a:t>
             </a:fld>
             <a:endParaRPr lang="bg-BG" noProof="0" dirty="0"/>
@@ -3288,6 +3312,7 @@
             <a:pPr rtl="0"/>
             <a:fld id="{81FEFA0A-2F20-4B60-98C6-5FFDA469AA1C}" type="slidenum">
               <a:rPr lang="bg-BG" noProof="0" smtClean="0"/>
+              <a:pPr rtl="0"/>
               <a:t>‹#›</a:t>
             </a:fld>
             <a:endParaRPr lang="bg-BG" noProof="0" dirty="0"/>
@@ -3345,6 +3370,7 @@
             <a:pPr rtl="0"/>
             <a:fld id="{6D6B4D18-9981-4556-B02D-54D9116C387C}" type="datetime1">
               <a:rPr lang="bg-BG" noProof="0" smtClean="0"/>
+              <a:pPr rtl="0"/>
               <a:t>10.11.2020 г.</a:t>
             </a:fld>
             <a:endParaRPr lang="bg-BG" noProof="0" dirty="0"/>
@@ -3396,6 +3422,7 @@
             <a:pPr rtl="0"/>
             <a:fld id="{81FEFA0A-2F20-4B60-98C6-5FFDA469AA1C}" type="slidenum">
               <a:rPr lang="bg-BG" noProof="0" smtClean="0"/>
+              <a:pPr rtl="0"/>
               <a:t>‹#›</a:t>
             </a:fld>
             <a:endParaRPr lang="bg-BG" noProof="0" dirty="0"/>
@@ -3659,6 +3686,7 @@
             <a:pPr rtl="0"/>
             <a:fld id="{B4D8DE51-46C6-46DA-8895-6D81914045F8}" type="datetime1">
               <a:rPr lang="bg-BG" noProof="0" smtClean="0"/>
+              <a:pPr rtl="0"/>
               <a:t>10.11.2020 г.</a:t>
             </a:fld>
             <a:endParaRPr lang="bg-BG" noProof="0" dirty="0"/>
@@ -3710,6 +3738,7 @@
             <a:pPr rtl="0"/>
             <a:fld id="{81FEFA0A-2F20-4B60-98C6-5FFDA469AA1C}" type="slidenum">
               <a:rPr lang="bg-BG" noProof="0" smtClean="0"/>
+              <a:pPr rtl="0"/>
               <a:t>‹#›</a:t>
             </a:fld>
             <a:endParaRPr lang="bg-BG" noProof="0" dirty="0"/>
@@ -4105,6 +4134,7 @@
             <a:pPr rtl="0"/>
             <a:fld id="{0F66F919-FB70-4997-BA29-2BB3D4A9BE7E}" type="datetime1">
               <a:rPr lang="bg-BG" noProof="0" smtClean="0"/>
+              <a:pPr rtl="0"/>
               <a:t>10.11.2020 г.</a:t>
             </a:fld>
             <a:endParaRPr lang="bg-BG" noProof="0" dirty="0"/>
@@ -4531,8 +4561,8 @@
         </p:nvSpPr>
         <p:spPr>
           <a:xfrm>
-            <a:off x="639806" y="476672"/>
-            <a:ext cx="10909212" cy="2448272"/>
+            <a:off x="1989956" y="152636"/>
+            <a:ext cx="8208912" cy="2088232"/>
           </a:xfrm>
         </p:spPr>
         <p:txBody>
@@ -4543,24 +4573,24 @@
           <a:p>
             <a:pPr algn="ctr" rtl="0"/>
             <a:r>
-              <a:rPr lang="bg" sz="4800" dirty="0"/>
+              <a:rPr lang="bg" sz="4000" dirty="0"/>
               <a:t>Екип  2</a:t>
             </a:r>
             <a:br>
-              <a:rPr lang="bg" sz="4800" dirty="0"/>
+              <a:rPr lang="bg" sz="4000" dirty="0"/>
             </a:br>
             <a:r>
-              <a:rPr lang="bg" sz="2800" dirty="0"/>
+              <a:rPr lang="bg" sz="2000" dirty="0"/>
               <a:t> </a:t>
             </a:r>
             <a:br>
-              <a:rPr lang="bg" sz="4800" dirty="0"/>
+              <a:rPr lang="bg" sz="4000" dirty="0"/>
             </a:br>
             <a:r>
-              <a:rPr lang="bg" sz="4000" dirty="0"/>
+              <a:rPr lang="bg" sz="3200" dirty="0"/>
               <a:t>Конвертиране на температура в различни мерни единици</a:t>
             </a:r>
-            <a:endParaRPr lang="en-US" sz="4800" dirty="0"/>
+            <a:endParaRPr lang="en-US" sz="4000" dirty="0"/>
           </a:p>
         </p:txBody>
       </p:sp>
@@ -4576,8 +4606,8 @@
         </p:nvSpPr>
         <p:spPr>
           <a:xfrm>
-            <a:off x="3106080" y="3789040"/>
-            <a:ext cx="5976664" cy="1872208"/>
+            <a:off x="2205980" y="2996952"/>
+            <a:ext cx="7776864" cy="3392996"/>
           </a:xfrm>
         </p:spPr>
         <p:txBody>
@@ -4593,11 +4623,7 @@
             </a:pPr>
             <a:r>
               <a:rPr lang="bg" dirty="0"/>
-              <a:t>Членове на </a:t>
-            </a:r>
-            <a:r>
-              <a:rPr lang="bg"/>
-              <a:t>екипа:</a:t>
+              <a:t>Членове на екипа:</a:t>
             </a:r>
             <a:endParaRPr lang="en-US" dirty="0"/>
           </a:p>
@@ -4614,6 +4640,30 @@
             <a:endParaRPr lang="en-US" sz="1400" dirty="0"/>
           </a:p>
           <a:p>
+            <a:pPr algn="ctr">
+              <a:lnSpc>
+                <a:spcPct val="150000"/>
+              </a:lnSpc>
+            </a:pPr>
+            <a:r>
+              <a:rPr lang="bg" sz="2000" dirty="0"/>
+              <a:t>Лидия Тотева</a:t>
+            </a:r>
+            <a:r>
+              <a:rPr lang="en-US" sz="2000" dirty="0"/>
+              <a:t> </a:t>
+            </a:r>
+            <a:r>
+              <a:rPr lang="bg-BG" sz="2000" dirty="0"/>
+              <a:t>- главен ръководител, </a:t>
+            </a:r>
+            <a:r>
+              <a:rPr lang="bg" sz="2000" dirty="0"/>
+              <a:t>графичен дизайнер</a:t>
+            </a:r>
+            <a:endParaRPr lang="en-US" sz="2000" dirty="0"/>
+          </a:p>
+          <a:p>
             <a:pPr algn="ctr" rtl="0">
               <a:lnSpc>
                 <a:spcPct val="150000"/>
@@ -4621,7 +4671,11 @@
             </a:pPr>
             <a:r>
               <a:rPr lang="bg" sz="2000" dirty="0"/>
-              <a:t>Лидия Тотева, Трифон Маринов,</a:t>
+              <a:t>Трифон Маринов – програмист</a:t>
+            </a:r>
+            <a:r>
+              <a:rPr lang="bg-BG" sz="2000" dirty="0"/>
+              <a:t> (сорс-код)</a:t>
             </a:r>
             <a:endParaRPr lang="en-US" sz="2000" dirty="0"/>
           </a:p>
@@ -4641,7 +4695,19 @@
             </a:r>
             <a:r>
               <a:rPr lang="bg" sz="2000" dirty="0"/>
-              <a:t>джми, Христо Гатев</a:t>
+              <a:t>джми - презентация и отчет</a:t>
+            </a:r>
+            <a:endParaRPr lang="en-US" sz="2000" dirty="0"/>
+          </a:p>
+          <a:p>
+            <a:pPr algn="ctr" rtl="0">
+              <a:lnSpc>
+                <a:spcPct val="150000"/>
+              </a:lnSpc>
+            </a:pPr>
+            <a:r>
+              <a:rPr lang="bg" sz="2000" dirty="0"/>
+              <a:t>Христо Гатев - графичен дизайнер</a:t>
             </a:r>
           </a:p>
         </p:txBody>
@@ -4882,15 +4948,24 @@
                                   </p:childTnLst>
                                 </p:cTn>
                               </p:par>
+                            </p:childTnLst>
+                          </p:cTn>
+                        </p:par>
+                        <p:par>
+                          <p:cTn id="21" fill="hold">
+                            <p:stCondLst>
+                              <p:cond delay="2000"/>
+                            </p:stCondLst>
+                            <p:childTnLst>
                               <p:par>
-                                <p:cTn id="21" presetID="22" presetClass="entr" presetSubtype="1" fill="hold" grpId="0" nodeType="withEffect">
+                                <p:cTn id="22" presetID="22" presetClass="entr" presetSubtype="1" fill="hold" grpId="0" nodeType="afterEffect">
                                   <p:stCondLst>
                                     <p:cond delay="0"/>
                                   </p:stCondLst>
                                   <p:childTnLst>
                                     <p:set>
                                       <p:cBhvr>
-                                        <p:cTn id="22" dur="1" fill="hold">
+                                        <p:cTn id="23" dur="1" fill="hold">
                                           <p:stCondLst>
                                             <p:cond delay="0"/>
                                           </p:stCondLst>
@@ -4912,11 +4987,97 @@
                                     </p:set>
                                     <p:animEffect transition="in" filter="wipe(up)">
                                       <p:cBhvr>
-                                        <p:cTn id="23" dur="1000"/>
+                                        <p:cTn id="24" dur="1000"/>
                                         <p:tgtEl>
                                           <p:spTgt spid="3">
                                             <p:txEl>
                                               <p:pRg st="3" end="3"/>
+                                            </p:txEl>
+                                          </p:spTgt>
+                                        </p:tgtEl>
+                                      </p:cBhvr>
+                                    </p:animEffect>
+                                  </p:childTnLst>
+                                </p:cTn>
+                              </p:par>
+                              <p:par>
+                                <p:cTn id="25" presetID="22" presetClass="entr" presetSubtype="1" fill="hold" grpId="0" nodeType="withEffect">
+                                  <p:stCondLst>
+                                    <p:cond delay="0"/>
+                                  </p:stCondLst>
+                                  <p:childTnLst>
+                                    <p:set>
+                                      <p:cBhvr>
+                                        <p:cTn id="26" dur="1" fill="hold">
+                                          <p:stCondLst>
+                                            <p:cond delay="0"/>
+                                          </p:stCondLst>
+                                        </p:cTn>
+                                        <p:tgtEl>
+                                          <p:spTgt spid="3">
+                                            <p:txEl>
+                                              <p:pRg st="4" end="4"/>
+                                            </p:txEl>
+                                          </p:spTgt>
+                                        </p:tgtEl>
+                                        <p:attrNameLst>
+                                          <p:attrName>style.visibility</p:attrName>
+                                        </p:attrNameLst>
+                                      </p:cBhvr>
+                                      <p:to>
+                                        <p:strVal val="visible"/>
+                                      </p:to>
+                                    </p:set>
+                                    <p:animEffect transition="in" filter="wipe(up)">
+                                      <p:cBhvr>
+                                        <p:cTn id="27" dur="1000"/>
+                                        <p:tgtEl>
+                                          <p:spTgt spid="3">
+                                            <p:txEl>
+                                              <p:pRg st="4" end="4"/>
+                                            </p:txEl>
+                                          </p:spTgt>
+                                        </p:tgtEl>
+                                      </p:cBhvr>
+                                    </p:animEffect>
+                                  </p:childTnLst>
+                                </p:cTn>
+                              </p:par>
+                              <p:par>
+                                <p:cTn id="28" presetID="22" presetClass="entr" presetSubtype="1" fill="hold" grpId="0" nodeType="withEffect">
+                                  <p:stCondLst>
+                                    <p:cond delay="0"/>
+                                  </p:stCondLst>
+                                  <p:childTnLst>
+                                    <p:set>
+                                      <p:cBhvr>
+                                        <p:cTn id="29" dur="1" fill="hold">
+                                          <p:stCondLst>
+                                            <p:cond delay="0"/>
+                                          </p:stCondLst>
+                                        </p:cTn>
+                                        <p:tgtEl>
+                                          <p:spTgt spid="3">
+                                            <p:txEl>
+                                              <p:pRg st="5" end="5"/>
+                                            </p:txEl>
+                                          </p:spTgt>
+                                        </p:tgtEl>
+                                        <p:attrNameLst>
+                                          <p:attrName>style.visibility</p:attrName>
+                                        </p:attrNameLst>
+                                      </p:cBhvr>
+                                      <p:to>
+                                        <p:strVal val="visible"/>
+                                      </p:to>
+                                    </p:set>
+                                    <p:animEffect transition="in" filter="wipe(up)">
+                                      <p:cBhvr>
+                                        <p:cTn id="30" dur="1000"/>
+                                        <p:tgtEl>
+                                          <p:spTgt spid="3">
+                                            <p:txEl>
+                                              <p:pRg st="5" end="5"/>
                                             </p:txEl>
                                           </p:spTgt>
                                         </p:tgtEl>
@@ -5194,8 +5355,8 @@
         </p:nvSpPr>
         <p:spPr>
           <a:xfrm>
-            <a:off x="513792" y="1512243"/>
-            <a:ext cx="11161240" cy="5112568"/>
+            <a:off x="513792" y="1512242"/>
+            <a:ext cx="11161240" cy="5229125"/>
           </a:xfrm>
         </p:spPr>
         <p:txBody>
@@ -5215,7 +5376,7 @@
             </a:pPr>
             <a:r>
               <a:rPr lang="bg-BG" sz="1800" dirty="0"/>
-              <a:t>Конвертор на температура от система Фаренхайт към Келвин и Целзий, който показва двата резултата едновременно на потребителя.</a:t>
+              <a:t>Конвертор на температура от система Фаренхайт към Келвин и Целзий, който показва двата резултата едновременно на потребителя. Дефинирайте каквито прецените контроли в графичния интерфейс и променливи в сорс-кода – избор на програмиста.</a:t>
             </a:r>
             <a:endParaRPr lang="en-US" sz="1800" dirty="0"/>
           </a:p>
@@ -5284,7 +5445,7 @@
               </a:tabLst>
             </a:pPr>
             <a:r>
-              <a:rPr lang="bg-BG" sz="2000" b="1" dirty="0">
+              <a:rPr lang="bg-BG" sz="1800" b="1" dirty="0">
                 <a:effectLst/>
                 <a:latin typeface="Times New Roman" panose="02020603050405020304" pitchFamily="18" charset="0"/>
                 <a:ea typeface="Times New Roman" panose="02020603050405020304" pitchFamily="18" charset="0"/>
@@ -5293,7 +5454,7 @@
               <a:t>Ден </a:t>
             </a:r>
             <a:r>
-              <a:rPr lang="en-GB" sz="2000" b="1" dirty="0">
+              <a:rPr lang="en-GB" sz="1800" b="1" dirty="0">
                 <a:effectLst/>
                 <a:latin typeface="Times New Roman" panose="02020603050405020304" pitchFamily="18" charset="0"/>
                 <a:ea typeface="Times New Roman" panose="02020603050405020304" pitchFamily="18" charset="0"/>
@@ -5302,7 +5463,7 @@
               <a:t>I-</a:t>
             </a:r>
             <a:r>
-              <a:rPr lang="bg-BG" sz="2000" b="1" dirty="0">
+              <a:rPr lang="bg-BG" sz="1800" b="1" dirty="0">
                 <a:effectLst/>
                 <a:latin typeface="Times New Roman" panose="02020603050405020304" pitchFamily="18" charset="0"/>
                 <a:ea typeface="Times New Roman" panose="02020603050405020304" pitchFamily="18" charset="0"/>
@@ -5311,7 +5472,7 @@
               <a:t>ви:</a:t>
             </a:r>
             <a:r>
-              <a:rPr lang="bg-BG" sz="2000" b="1" dirty="0">
+              <a:rPr lang="bg-BG" sz="1800" b="1" dirty="0">
                 <a:latin typeface="Calibri" panose="020F0502020204030204" pitchFamily="34" charset="0"/>
                 <a:ea typeface="Times New Roman" panose="02020603050405020304" pitchFamily="18" charset="0"/>
                 <a:cs typeface="Times New Roman" panose="02020603050405020304" pitchFamily="18" charset="0"/>
@@ -5319,7 +5480,7 @@
               <a:t> </a:t>
             </a:r>
             <a:r>
-              <a:rPr lang="bg-BG" sz="2000" dirty="0">
+              <a:rPr lang="bg-BG" sz="1800" dirty="0">
                 <a:effectLst/>
                 <a:latin typeface="Times New Roman" panose="02020603050405020304" pitchFamily="18" charset="0"/>
                 <a:ea typeface="Times New Roman" panose="02020603050405020304" pitchFamily="18" charset="0"/>
@@ -5327,7 +5488,7 @@
               </a:rPr>
               <a:t>Лидия Тотева, Трифон Маринов и Христо Гатев изготвят графичния дизайн.</a:t>
             </a:r>
-            <a:endParaRPr lang="bg-BG" sz="2000" dirty="0">
+            <a:endParaRPr lang="bg-BG" sz="1800" dirty="0">
               <a:effectLst/>
               <a:latin typeface="Calibri" panose="020F0502020204030204" pitchFamily="34" charset="0"/>
               <a:ea typeface="Times New Roman" panose="02020603050405020304" pitchFamily="18" charset="0"/>
@@ -5383,7 +5544,7 @@
               </a:tabLst>
             </a:pPr>
             <a:r>
-              <a:rPr lang="bg-BG" sz="2000" b="1" dirty="0">
+              <a:rPr lang="bg-BG" sz="1800" b="1" dirty="0">
                 <a:effectLst/>
                 <a:latin typeface="Times New Roman" panose="02020603050405020304" pitchFamily="18" charset="0"/>
                 <a:ea typeface="Times New Roman" panose="02020603050405020304" pitchFamily="18" charset="0"/>
@@ -5392,7 +5553,7 @@
               <a:t>Ден </a:t>
             </a:r>
             <a:r>
-              <a:rPr lang="en-GB" sz="2000" b="1" dirty="0">
+              <a:rPr lang="en-GB" sz="1800" b="1">
                 <a:effectLst/>
                 <a:latin typeface="Times New Roman" panose="02020603050405020304" pitchFamily="18" charset="0"/>
                 <a:ea typeface="Times New Roman" panose="02020603050405020304" pitchFamily="18" charset="0"/>
@@ -5401,16 +5562,25 @@
               <a:t>II-</a:t>
             </a:r>
             <a:r>
-              <a:rPr lang="bg-BG" sz="2000" b="1" dirty="0">
+              <a:rPr lang="bg-BG" sz="1800" b="1">
                 <a:effectLst/>
                 <a:latin typeface="Times New Roman" panose="02020603050405020304" pitchFamily="18" charset="0"/>
                 <a:ea typeface="Times New Roman" panose="02020603050405020304" pitchFamily="18" charset="0"/>
                 <a:cs typeface="Times New Roman" panose="02020603050405020304" pitchFamily="18" charset="0"/>
               </a:rPr>
-              <a:t> ри: </a:t>
-            </a:r>
-            <a:r>
-              <a:rPr lang="bg-BG" sz="2000" dirty="0">
+              <a:t>ри</a:t>
+            </a:r>
+            <a:r>
+              <a:rPr lang="bg-BG" sz="1800" b="1" dirty="0">
+                <a:effectLst/>
+                <a:latin typeface="Times New Roman" panose="02020603050405020304" pitchFamily="18" charset="0"/>
+                <a:ea typeface="Times New Roman" panose="02020603050405020304" pitchFamily="18" charset="0"/>
+                <a:cs typeface="Times New Roman" panose="02020603050405020304" pitchFamily="18" charset="0"/>
+              </a:rPr>
+              <a:t>: </a:t>
+            </a:r>
+            <a:r>
+              <a:rPr lang="bg-BG" sz="1800" dirty="0">
                 <a:effectLst/>
                 <a:latin typeface="Times New Roman" panose="02020603050405020304" pitchFamily="18" charset="0"/>
                 <a:ea typeface="Times New Roman" panose="02020603050405020304" pitchFamily="18" charset="0"/>
@@ -5418,7 +5588,7 @@
               </a:rPr>
               <a:t>Йозлем Неджми води отчет за дейностите изпълнявани в екипа. Трифон Маринов, Лидия Тотева и Христо Гатев изготвят програмния код на проекта.</a:t>
             </a:r>
-            <a:endParaRPr lang="bg-BG" sz="2000" dirty="0">
+            <a:endParaRPr lang="bg-BG" sz="1800" dirty="0">
               <a:effectLst/>
               <a:latin typeface="Calibri" panose="020F0502020204030204" pitchFamily="34" charset="0"/>
               <a:ea typeface="Times New Roman" panose="02020603050405020304" pitchFamily="18" charset="0"/>
@@ -5474,7 +5644,7 @@
               </a:tabLst>
             </a:pPr>
             <a:r>
-              <a:rPr lang="bg-BG" sz="2000" b="1" dirty="0">
+              <a:rPr lang="bg-BG" sz="1800" b="1" dirty="0">
                 <a:effectLst/>
                 <a:latin typeface="Times New Roman" panose="02020603050405020304" pitchFamily="18" charset="0"/>
                 <a:ea typeface="Times New Roman" panose="02020603050405020304" pitchFamily="18" charset="0"/>
@@ -5483,7 +5653,7 @@
               <a:t>Ден </a:t>
             </a:r>
             <a:r>
-              <a:rPr lang="en-GB" sz="2000" b="1" dirty="0">
+              <a:rPr lang="en-GB" sz="1800" b="1" dirty="0">
                 <a:effectLst/>
                 <a:latin typeface="Times New Roman" panose="02020603050405020304" pitchFamily="18" charset="0"/>
                 <a:ea typeface="Times New Roman" panose="02020603050405020304" pitchFamily="18" charset="0"/>
@@ -5492,7 +5662,7 @@
               <a:t>III-</a:t>
             </a:r>
             <a:r>
-              <a:rPr lang="bg-BG" sz="2000" b="1" dirty="0">
+              <a:rPr lang="bg-BG" sz="1800" b="1" dirty="0">
                 <a:effectLst/>
                 <a:latin typeface="Times New Roman" panose="02020603050405020304" pitchFamily="18" charset="0"/>
                 <a:ea typeface="Times New Roman" panose="02020603050405020304" pitchFamily="18" charset="0"/>
@@ -5501,7 +5671,7 @@
               <a:t>ти:</a:t>
             </a:r>
             <a:r>
-              <a:rPr lang="bg-BG" sz="2000" b="1" dirty="0">
+              <a:rPr lang="bg-BG" sz="1800" b="1" dirty="0">
                 <a:latin typeface="Calibri" panose="020F0502020204030204" pitchFamily="34" charset="0"/>
                 <a:ea typeface="Times New Roman" panose="02020603050405020304" pitchFamily="18" charset="0"/>
                 <a:cs typeface="Times New Roman" panose="02020603050405020304" pitchFamily="18" charset="0"/>
@@ -5509,7 +5679,7 @@
               <a:t> </a:t>
             </a:r>
             <a:r>
-              <a:rPr lang="bg-BG" sz="2000" dirty="0">
+              <a:rPr lang="bg-BG" sz="1800" dirty="0">
                 <a:effectLst/>
                 <a:latin typeface="Times New Roman" panose="02020603050405020304" pitchFamily="18" charset="0"/>
                 <a:ea typeface="Times New Roman" panose="02020603050405020304" pitchFamily="18" charset="0"/>
@@ -5517,7 +5687,7 @@
               </a:rPr>
               <a:t>Христо Гатев и Трифон Маринов правят последна проверка за неизправности. Йозлем Неджми изготвя презентацията. Лидия Тотева изготвя блоковата схема.</a:t>
             </a:r>
-            <a:endParaRPr lang="bg-BG" sz="2000" dirty="0">
+            <a:endParaRPr lang="bg-BG" sz="1800" dirty="0">
               <a:effectLst/>
               <a:latin typeface="Calibri" panose="020F0502020204030204" pitchFamily="34" charset="0"/>
               <a:ea typeface="Times New Roman" panose="02020603050405020304" pitchFamily="18" charset="0"/>
@@ -12129,7 +12299,7 @@
     </a:clrScheme>
     <a:fontScheme name="Century Gothic-Palatino Linotype">
       <a:majorFont>
-        <a:latin typeface="Century Gothic" panose="020B0502020202020204"/>
+        <a:latin typeface="Century Gothic"/>
         <a:ea typeface=""/>
         <a:cs typeface=""/>
         <a:font script="Jpan" typeface="ＭＳ ゴシック"/>
@@ -12164,7 +12334,7 @@
         <a:font script="Geor" typeface="Sylfaen"/>
       </a:majorFont>
       <a:minorFont>
-        <a:latin typeface="Palatino Linotype" panose="02040502050505030304"/>
+        <a:latin typeface="Palatino Linotype"/>
         <a:ea typeface=""/>
         <a:cs typeface=""/>
         <a:font script="Jpan" typeface="ＭＳ ゴシック"/>
@@ -12432,7 +12602,7 @@
     </a:clrScheme>
     <a:fontScheme name="Century Gothic-Palatino Linotype">
       <a:majorFont>
-        <a:latin typeface="Century Gothic" panose="020B0502020202020204"/>
+        <a:latin typeface="Century Gothic"/>
         <a:ea typeface=""/>
         <a:cs typeface=""/>
         <a:font script="Jpan" typeface="ＭＳ ゴシック"/>
@@ -12467,7 +12637,7 @@
         <a:font script="Geor" typeface="Sylfaen"/>
       </a:majorFont>
       <a:minorFont>
-        <a:latin typeface="Palatino Linotype" panose="02040502050505030304"/>
+        <a:latin typeface="Palatino Linotype"/>
         <a:ea typeface=""/>
         <a:cs typeface=""/>
         <a:font script="Jpan" typeface="ＭＳ ゴシック"/>
@@ -12669,7 +12839,7 @@
     </a:clrScheme>
     <a:fontScheme name="Century Gothic-Palatino Linotype">
       <a:majorFont>
-        <a:latin typeface="Century Gothic" panose="020B0502020202020204"/>
+        <a:latin typeface="Century Gothic"/>
         <a:ea typeface=""/>
         <a:cs typeface=""/>
         <a:font script="Jpan" typeface="ＭＳ ゴシック"/>
@@ -12704,7 +12874,7 @@
         <a:font script="Geor" typeface="Sylfaen"/>
       </a:majorFont>
       <a:minorFont>
-        <a:latin typeface="Palatino Linotype" panose="02040502050505030304"/>
+        <a:latin typeface="Palatino Linotype"/>
         <a:ea typeface=""/>
         <a:cs typeface=""/>
         <a:font script="Jpan" typeface="ＭＳ ゴシック"/>
@@ -12875,15 +13045,6 @@
 </file>
 
 <file path=customXml/item2.xml><?xml version="1.0" encoding="utf-8"?>
-<?mso-contentType ?>
-<FormTemplates xmlns="http://schemas.microsoft.com/sharepoint/v3/contenttype/forms">
-  <Display>DocumentLibraryForm</Display>
-  <Edit>DocumentLibraryForm</Edit>
-  <New>DocumentLibraryForm</New>
-</FormTemplates>
-</file>
-
-<file path=customXml/item3.xml><?xml version="1.0" encoding="utf-8"?>
 <ct:contentTypeSchema xmlns:ct="http://schemas.microsoft.com/office/2006/metadata/contentType" xmlns:ma="http://schemas.microsoft.com/office/2006/metadata/properties/metaAttributes" ct:_="" ma:_="" ma:contentTypeName="Document" ma:contentTypeID="0x010100AA3F7D94069FF64A86F7DFF56D60E3BE" ma:contentTypeVersion="6" ma:contentTypeDescription="Create a new document." ma:contentTypeScope="" ma:versionID="c32302c77d4085ecf495bdddb7f5e889">
   <xsd:schema xmlns:xsd="http://www.w3.org/2001/XMLSchema" xmlns:xs="http://www.w3.org/2001/XMLSchema" xmlns:p="http://schemas.microsoft.com/office/2006/metadata/properties" xmlns:ns2="a4f35948-e619-41b3-aa29-22878b09cfd2" xmlns:ns3="40262f94-9f35-4ac3-9a90-690165a166b7" targetNamespace="http://schemas.microsoft.com/office/2006/metadata/properties" ma:root="true" ma:fieldsID="4ab5ae46be95f9d0be6107e8200be7a2" ns2:_="" ns3:_="">
     <xsd:import namespace="a4f35948-e619-41b3-aa29-22878b09cfd2"/>
@@ -13064,6 +13225,15 @@
 </ct:contentTypeSchema>
 </file>
 
+<file path=customXml/item3.xml><?xml version="1.0" encoding="utf-8"?>
+<?mso-contentType ?>
+<FormTemplates xmlns="http://schemas.microsoft.com/sharepoint/v3/contenttype/forms">
+  <Display>DocumentLibraryForm</Display>
+  <Edit>DocumentLibraryForm</Edit>
+  <New>DocumentLibraryForm</New>
+</FormTemplates>
+</file>
+
 <file path=customXml/itemProps1.xml><?xml version="1.0" encoding="utf-8"?>
 <ds:datastoreItem xmlns:ds="http://schemas.openxmlformats.org/officeDocument/2006/customXml" ds:itemID="{02427FAC-CD3A-494C-985C-09E26C5EA507}">
   <ds:schemaRefs>
@@ -13082,14 +13252,6 @@
 </file>
 
 <file path=customXml/itemProps2.xml><?xml version="1.0" encoding="utf-8"?>
-<ds:datastoreItem xmlns:ds="http://schemas.openxmlformats.org/officeDocument/2006/customXml" ds:itemID="{B11D6E40-F509-498A-BF02-00C895783B4A}">
-  <ds:schemaRefs>
-    <ds:schemaRef ds:uri="http://schemas.microsoft.com/sharepoint/v3/contenttype/forms"/>
-  </ds:schemaRefs>
-</ds:datastoreItem>
-</file>
-
-<file path=customXml/itemProps3.xml><?xml version="1.0" encoding="utf-8"?>
 <ds:datastoreItem xmlns:ds="http://schemas.openxmlformats.org/officeDocument/2006/customXml" ds:itemID="{E5ED73A5-C2D2-4D49-BB89-167E8E32C957}">
   <ds:schemaRefs>
     <ds:schemaRef ds:uri="http://schemas.microsoft.com/office/2006/metadata/contentType"/>
@@ -13106,4 +13268,12 @@
     <ds:schemaRef ds:uri="http://schemas.microsoft.com/internal/obd"/>
   </ds:schemaRefs>
 </ds:datastoreItem>
+</file>
+
+<file path=customXml/itemProps3.xml><?xml version="1.0" encoding="utf-8"?>
+<ds:datastoreItem xmlns:ds="http://schemas.openxmlformats.org/officeDocument/2006/customXml" ds:itemID="{B11D6E40-F509-498A-BF02-00C895783B4A}">
+  <ds:schemaRefs>
+    <ds:schemaRef ds:uri="http://schemas.microsoft.com/sharepoint/v3/contenttype/forms"/>
+  </ds:schemaRefs>
+</ds:datastoreItem>
 </file>
--- a/Екип 2.pptx
+++ b/Екип 2.pptx
@@ -4561,7 +4561,7 @@
         </p:nvSpPr>
         <p:spPr>
           <a:xfrm>
-            <a:off x="1989956" y="152636"/>
+            <a:off x="1989956" y="396282"/>
             <a:ext cx="8208912" cy="2088232"/>
           </a:xfrm>
         </p:spPr>
@@ -4606,8 +4606,8 @@
         </p:nvSpPr>
         <p:spPr>
           <a:xfrm>
-            <a:off x="2205980" y="2996952"/>
-            <a:ext cx="7776864" cy="3392996"/>
+            <a:off x="2205980" y="3437382"/>
+            <a:ext cx="7776864" cy="3024336"/>
           </a:xfrm>
         </p:spPr>
         <p:txBody>
@@ -4634,10 +4634,10 @@
               </a:lnSpc>
             </a:pPr>
             <a:r>
-              <a:rPr lang="bg-BG" sz="1400" dirty="0"/>
+              <a:rPr lang="bg-BG" sz="1200" dirty="0"/>
               <a:t> </a:t>
             </a:r>
-            <a:endParaRPr lang="en-US" sz="1400" dirty="0"/>
+            <a:endParaRPr lang="en-US" sz="600" dirty="0"/>
           </a:p>
           <a:p>
             <a:pPr algn="ctr">
@@ -13045,6 +13045,15 @@
 </file>
 
 <file path=customXml/item2.xml><?xml version="1.0" encoding="utf-8"?>
+<?mso-contentType ?>
+<FormTemplates xmlns="http://schemas.microsoft.com/sharepoint/v3/contenttype/forms">
+  <Display>DocumentLibraryForm</Display>
+  <Edit>DocumentLibraryForm</Edit>
+  <New>DocumentLibraryForm</New>
+</FormTemplates>
+</file>
+
+<file path=customXml/item3.xml><?xml version="1.0" encoding="utf-8"?>
 <ct:contentTypeSchema xmlns:ct="http://schemas.microsoft.com/office/2006/metadata/contentType" xmlns:ma="http://schemas.microsoft.com/office/2006/metadata/properties/metaAttributes" ct:_="" ma:_="" ma:contentTypeName="Document" ma:contentTypeID="0x010100AA3F7D94069FF64A86F7DFF56D60E3BE" ma:contentTypeVersion="6" ma:contentTypeDescription="Create a new document." ma:contentTypeScope="" ma:versionID="c32302c77d4085ecf495bdddb7f5e889">
   <xsd:schema xmlns:xsd="http://www.w3.org/2001/XMLSchema" xmlns:xs="http://www.w3.org/2001/XMLSchema" xmlns:p="http://schemas.microsoft.com/office/2006/metadata/properties" xmlns:ns2="a4f35948-e619-41b3-aa29-22878b09cfd2" xmlns:ns3="40262f94-9f35-4ac3-9a90-690165a166b7" targetNamespace="http://schemas.microsoft.com/office/2006/metadata/properties" ma:root="true" ma:fieldsID="4ab5ae46be95f9d0be6107e8200be7a2" ns2:_="" ns3:_="">
     <xsd:import namespace="a4f35948-e619-41b3-aa29-22878b09cfd2"/>
@@ -13225,15 +13234,6 @@
 </ct:contentTypeSchema>
 </file>
 
-<file path=customXml/item3.xml><?xml version="1.0" encoding="utf-8"?>
-<?mso-contentType ?>
-<FormTemplates xmlns="http://schemas.microsoft.com/sharepoint/v3/contenttype/forms">
-  <Display>DocumentLibraryForm</Display>
-  <Edit>DocumentLibraryForm</Edit>
-  <New>DocumentLibraryForm</New>
-</FormTemplates>
-</file>
-
 <file path=customXml/itemProps1.xml><?xml version="1.0" encoding="utf-8"?>
 <ds:datastoreItem xmlns:ds="http://schemas.openxmlformats.org/officeDocument/2006/customXml" ds:itemID="{02427FAC-CD3A-494C-985C-09E26C5EA507}">
   <ds:schemaRefs>
@@ -13252,6 +13252,14 @@
 </file>
 
 <file path=customXml/itemProps2.xml><?xml version="1.0" encoding="utf-8"?>
+<ds:datastoreItem xmlns:ds="http://schemas.openxmlformats.org/officeDocument/2006/customXml" ds:itemID="{B11D6E40-F509-498A-BF02-00C895783B4A}">
+  <ds:schemaRefs>
+    <ds:schemaRef ds:uri="http://schemas.microsoft.com/sharepoint/v3/contenttype/forms"/>
+  </ds:schemaRefs>
+</ds:datastoreItem>
+</file>
+
+<file path=customXml/itemProps3.xml><?xml version="1.0" encoding="utf-8"?>
 <ds:datastoreItem xmlns:ds="http://schemas.openxmlformats.org/officeDocument/2006/customXml" ds:itemID="{E5ED73A5-C2D2-4D49-BB89-167E8E32C957}">
   <ds:schemaRefs>
     <ds:schemaRef ds:uri="http://schemas.microsoft.com/office/2006/metadata/contentType"/>
@@ -13268,12 +13276,4 @@
     <ds:schemaRef ds:uri="http://schemas.microsoft.com/internal/obd"/>
   </ds:schemaRefs>
 </ds:datastoreItem>
-</file>
-
-<file path=customXml/itemProps3.xml><?xml version="1.0" encoding="utf-8"?>
-<ds:datastoreItem xmlns:ds="http://schemas.openxmlformats.org/officeDocument/2006/customXml" ds:itemID="{B11D6E40-F509-498A-BF02-00C895783B4A}">
-  <ds:schemaRefs>
-    <ds:schemaRef ds:uri="http://schemas.microsoft.com/sharepoint/v3/contenttype/forms"/>
-  </ds:schemaRefs>
-</ds:datastoreItem>
 </file>